--- a/files/issdl2020_python_ml_title_slide.pptx
+++ b/files/issdl2020_python_ml_title_slide.pptx
@@ -6,6 +6,7 @@
   </p:sldMasterIdLst>
   <p:sldIdLst>
     <p:sldId id="256" r:id="rId2"/>
+    <p:sldId id="257" r:id="rId3"/>
   </p:sldIdLst>
   <p:sldSz cx="12192000" cy="6858000"/>
   <p:notesSz cx="6858000" cy="9144000"/>
@@ -895,7 +896,7 @@
           <a:p>
             <a:fld id="{14DDA5F7-447D-274D-9E5C-522AFD5C7B40}" type="datetimeFigureOut">
               <a:rPr lang="en-US" smtClean="0"/>
-              <a:t>8/11/20</a:t>
+              <a:t>8/23/2020</a:t>
             </a:fld>
             <a:endParaRPr lang="en-US"/>
           </a:p>
@@ -1133,7 +1134,7 @@
           <a:p>
             <a:fld id="{14DDA5F7-447D-274D-9E5C-522AFD5C7B40}" type="datetimeFigureOut">
               <a:rPr lang="en-US" smtClean="0"/>
-              <a:t>8/11/20</a:t>
+              <a:t>8/23/2020</a:t>
             </a:fld>
             <a:endParaRPr lang="en-US"/>
           </a:p>
@@ -1371,7 +1372,7 @@
           <a:p>
             <a:fld id="{14DDA5F7-447D-274D-9E5C-522AFD5C7B40}" type="datetimeFigureOut">
               <a:rPr lang="en-US" smtClean="0"/>
-              <a:t>8/11/20</a:t>
+              <a:t>8/23/2020</a:t>
             </a:fld>
             <a:endParaRPr lang="en-US"/>
           </a:p>
@@ -1676,7 +1677,7 @@
           <a:p>
             <a:fld id="{14DDA5F7-447D-274D-9E5C-522AFD5C7B40}" type="datetimeFigureOut">
               <a:rPr lang="en-US" smtClean="0"/>
-              <a:t>8/11/20</a:t>
+              <a:t>8/23/2020</a:t>
             </a:fld>
             <a:endParaRPr lang="en-US"/>
           </a:p>
@@ -1979,7 +1980,7 @@
           <a:p>
             <a:fld id="{14DDA5F7-447D-274D-9E5C-522AFD5C7B40}" type="datetimeFigureOut">
               <a:rPr lang="en-US" smtClean="0"/>
-              <a:t>8/11/20</a:t>
+              <a:t>8/23/2020</a:t>
             </a:fld>
             <a:endParaRPr lang="en-US"/>
           </a:p>
@@ -2430,7 +2431,7 @@
           <a:p>
             <a:fld id="{14DDA5F7-447D-274D-9E5C-522AFD5C7B40}" type="datetimeFigureOut">
               <a:rPr lang="en-US" smtClean="0"/>
-              <a:t>8/11/20</a:t>
+              <a:t>8/23/2020</a:t>
             </a:fld>
             <a:endParaRPr lang="en-US"/>
           </a:p>
@@ -2603,7 +2604,7 @@
           <a:p>
             <a:fld id="{14DDA5F7-447D-274D-9E5C-522AFD5C7B40}" type="datetimeFigureOut">
               <a:rPr lang="en-US" smtClean="0"/>
-              <a:t>8/11/20</a:t>
+              <a:t>8/23/2020</a:t>
             </a:fld>
             <a:endParaRPr lang="en-US"/>
           </a:p>
@@ -2740,7 +2741,7 @@
           <a:p>
             <a:fld id="{14DDA5F7-447D-274D-9E5C-522AFD5C7B40}" type="datetimeFigureOut">
               <a:rPr lang="en-US" smtClean="0"/>
-              <a:t>8/11/20</a:t>
+              <a:t>8/23/2020</a:t>
             </a:fld>
             <a:endParaRPr lang="en-US"/>
           </a:p>
@@ -3084,7 +3085,7 @@
           <a:p>
             <a:fld id="{14DDA5F7-447D-274D-9E5C-522AFD5C7B40}" type="datetimeFigureOut">
               <a:rPr lang="en-US" smtClean="0"/>
-              <a:t>8/11/20</a:t>
+              <a:t>8/23/2020</a:t>
             </a:fld>
             <a:endParaRPr lang="en-US"/>
           </a:p>
@@ -3405,7 +3406,7 @@
           <a:p>
             <a:fld id="{14DDA5F7-447D-274D-9E5C-522AFD5C7B40}" type="datetimeFigureOut">
               <a:rPr lang="en-US" smtClean="0"/>
-              <a:t>8/11/20</a:t>
+              <a:t>8/23/2020</a:t>
             </a:fld>
             <a:endParaRPr lang="en-US"/>
           </a:p>
@@ -3942,6 +3943,886 @@
 </p:sld>
 </file>
 
+<file path=ppt/slides/slide2.xml><?xml version="1.0" encoding="utf-8"?>
+<p:sld xmlns:a="http://schemas.openxmlformats.org/drawingml/2006/main" xmlns:r="http://schemas.openxmlformats.org/officeDocument/2006/relationships" xmlns:p="http://schemas.openxmlformats.org/presentationml/2006/main">
+  <p:cSld>
+    <p:spTree>
+      <p:nvGrpSpPr>
+        <p:cNvPr id="1" name=""/>
+        <p:cNvGrpSpPr/>
+        <p:nvPr/>
+      </p:nvGrpSpPr>
+      <p:grpSpPr>
+        <a:xfrm>
+          <a:off x="0" y="0"/>
+          <a:ext cx="0" cy="0"/>
+          <a:chOff x="0" y="0"/>
+          <a:chExt cx="0" cy="0"/>
+        </a:xfrm>
+      </p:grpSpPr>
+      <p:sp>
+        <p:nvSpPr>
+          <p:cNvPr id="5" name="Oval 4">
+            <a:extLst>
+              <a:ext uri="{FF2B5EF4-FFF2-40B4-BE49-F238E27FC236}">
+                <a16:creationId xmlns:a16="http://schemas.microsoft.com/office/drawing/2014/main" id="{3B7FF28E-E8AB-49A5-B9FF-A1912CC4CA53}"/>
+              </a:ext>
+            </a:extLst>
+          </p:cNvPr>
+          <p:cNvSpPr/>
+          <p:nvPr/>
+        </p:nvSpPr>
+        <p:spPr>
+          <a:xfrm>
+            <a:off x="4991561" y="2890044"/>
+            <a:ext cx="507345" cy="507345"/>
+          </a:xfrm>
+          <a:prstGeom prst="ellipse">
+            <a:avLst/>
+          </a:prstGeom>
+        </p:spPr>
+        <p:style>
+          <a:lnRef idx="2">
+            <a:schemeClr val="accent1">
+              <a:shade val="50000"/>
+            </a:schemeClr>
+          </a:lnRef>
+          <a:fillRef idx="1">
+            <a:schemeClr val="accent1"/>
+          </a:fillRef>
+          <a:effectRef idx="0">
+            <a:schemeClr val="accent1"/>
+          </a:effectRef>
+          <a:fontRef idx="minor">
+            <a:schemeClr val="lt1"/>
+          </a:fontRef>
+        </p:style>
+        <p:txBody>
+          <a:bodyPr rtlCol="0" anchor="ctr"/>
+          <a:lstStyle/>
+          <a:p>
+            <a:pPr algn="ctr"/>
+            <a:r>
+              <a:rPr lang="pl-PL" dirty="0"/>
+              <a:t>A</a:t>
+            </a:r>
+            <a:endParaRPr lang="en-US" dirty="0"/>
+          </a:p>
+        </p:txBody>
+      </p:sp>
+      <p:sp>
+        <p:nvSpPr>
+          <p:cNvPr id="7" name="Oval 6">
+            <a:extLst>
+              <a:ext uri="{FF2B5EF4-FFF2-40B4-BE49-F238E27FC236}">
+                <a16:creationId xmlns:a16="http://schemas.microsoft.com/office/drawing/2014/main" id="{518703A9-CE7D-4F3D-B059-337F2FCE7617}"/>
+              </a:ext>
+            </a:extLst>
+          </p:cNvPr>
+          <p:cNvSpPr/>
+          <p:nvPr/>
+        </p:nvSpPr>
+        <p:spPr>
+          <a:xfrm>
+            <a:off x="4479726" y="3473162"/>
+            <a:ext cx="507345" cy="507345"/>
+          </a:xfrm>
+          <a:prstGeom prst="ellipse">
+            <a:avLst/>
+          </a:prstGeom>
+        </p:spPr>
+        <p:style>
+          <a:lnRef idx="2">
+            <a:schemeClr val="accent1">
+              <a:shade val="50000"/>
+            </a:schemeClr>
+          </a:lnRef>
+          <a:fillRef idx="1">
+            <a:schemeClr val="accent1"/>
+          </a:fillRef>
+          <a:effectRef idx="0">
+            <a:schemeClr val="accent1"/>
+          </a:effectRef>
+          <a:fontRef idx="minor">
+            <a:schemeClr val="lt1"/>
+          </a:fontRef>
+        </p:style>
+        <p:txBody>
+          <a:bodyPr rtlCol="0" anchor="ctr"/>
+          <a:lstStyle/>
+          <a:p>
+            <a:pPr algn="ctr"/>
+            <a:r>
+              <a:rPr lang="pl-PL" dirty="0"/>
+              <a:t>B</a:t>
+            </a:r>
+            <a:endParaRPr lang="en-US" dirty="0"/>
+          </a:p>
+        </p:txBody>
+      </p:sp>
+      <p:sp>
+        <p:nvSpPr>
+          <p:cNvPr id="9" name="Oval 8">
+            <a:extLst>
+              <a:ext uri="{FF2B5EF4-FFF2-40B4-BE49-F238E27FC236}">
+                <a16:creationId xmlns:a16="http://schemas.microsoft.com/office/drawing/2014/main" id="{1F83E56C-9F28-4160-BE81-15D64AF62EEC}"/>
+              </a:ext>
+            </a:extLst>
+          </p:cNvPr>
+          <p:cNvSpPr/>
+          <p:nvPr/>
+        </p:nvSpPr>
+        <p:spPr>
+          <a:xfrm>
+            <a:off x="5498906" y="3473162"/>
+            <a:ext cx="507345" cy="507345"/>
+          </a:xfrm>
+          <a:prstGeom prst="ellipse">
+            <a:avLst/>
+          </a:prstGeom>
+        </p:spPr>
+        <p:style>
+          <a:lnRef idx="2">
+            <a:schemeClr val="accent1">
+              <a:shade val="50000"/>
+            </a:schemeClr>
+          </a:lnRef>
+          <a:fillRef idx="1">
+            <a:schemeClr val="accent1"/>
+          </a:fillRef>
+          <a:effectRef idx="0">
+            <a:schemeClr val="accent1"/>
+          </a:effectRef>
+          <a:fontRef idx="minor">
+            <a:schemeClr val="lt1"/>
+          </a:fontRef>
+        </p:style>
+        <p:txBody>
+          <a:bodyPr rtlCol="0" anchor="ctr"/>
+          <a:lstStyle/>
+          <a:p>
+            <a:pPr algn="ctr"/>
+            <a:r>
+              <a:rPr lang="pl-PL" dirty="0"/>
+              <a:t>C</a:t>
+            </a:r>
+            <a:endParaRPr lang="en-US" dirty="0"/>
+          </a:p>
+        </p:txBody>
+      </p:sp>
+      <p:sp>
+        <p:nvSpPr>
+          <p:cNvPr id="11" name="Oval 10">
+            <a:extLst>
+              <a:ext uri="{FF2B5EF4-FFF2-40B4-BE49-F238E27FC236}">
+                <a16:creationId xmlns:a16="http://schemas.microsoft.com/office/drawing/2014/main" id="{3EF1F73A-3C61-4585-B38A-6CDD7881F04F}"/>
+              </a:ext>
+            </a:extLst>
+          </p:cNvPr>
+          <p:cNvSpPr/>
+          <p:nvPr/>
+        </p:nvSpPr>
+        <p:spPr>
+          <a:xfrm>
+            <a:off x="4989315" y="4056280"/>
+            <a:ext cx="507345" cy="507345"/>
+          </a:xfrm>
+          <a:prstGeom prst="ellipse">
+            <a:avLst/>
+          </a:prstGeom>
+        </p:spPr>
+        <p:style>
+          <a:lnRef idx="2">
+            <a:schemeClr val="accent1">
+              <a:shade val="50000"/>
+            </a:schemeClr>
+          </a:lnRef>
+          <a:fillRef idx="1">
+            <a:schemeClr val="accent1"/>
+          </a:fillRef>
+          <a:effectRef idx="0">
+            <a:schemeClr val="accent1"/>
+          </a:effectRef>
+          <a:fontRef idx="minor">
+            <a:schemeClr val="lt1"/>
+          </a:fontRef>
+        </p:style>
+        <p:txBody>
+          <a:bodyPr rtlCol="0" anchor="ctr"/>
+          <a:lstStyle/>
+          <a:p>
+            <a:pPr algn="ctr"/>
+            <a:r>
+              <a:rPr lang="pl-PL" dirty="0"/>
+              <a:t>D</a:t>
+            </a:r>
+            <a:endParaRPr lang="en-US" dirty="0"/>
+          </a:p>
+        </p:txBody>
+      </p:sp>
+      <p:cxnSp>
+        <p:nvCxnSpPr>
+          <p:cNvPr id="15" name="Straight Arrow Connector 14">
+            <a:extLst>
+              <a:ext uri="{FF2B5EF4-FFF2-40B4-BE49-F238E27FC236}">
+                <a16:creationId xmlns:a16="http://schemas.microsoft.com/office/drawing/2014/main" id="{0473FCDD-9794-4B16-9BEC-3D97C36CE509}"/>
+              </a:ext>
+            </a:extLst>
+          </p:cNvPr>
+          <p:cNvCxnSpPr>
+            <a:stCxn id="5" idx="3"/>
+            <a:endCxn id="7" idx="7"/>
+          </p:cNvCxnSpPr>
+          <p:nvPr/>
+        </p:nvCxnSpPr>
+        <p:spPr>
+          <a:xfrm flipH="1">
+            <a:off x="4912772" y="3323090"/>
+            <a:ext cx="153088" cy="224371"/>
+          </a:xfrm>
+          <a:prstGeom prst="straightConnector1">
+            <a:avLst/>
+          </a:prstGeom>
+          <a:ln>
+            <a:tailEnd type="triangle"/>
+          </a:ln>
+        </p:spPr>
+        <p:style>
+          <a:lnRef idx="1">
+            <a:schemeClr val="accent1"/>
+          </a:lnRef>
+          <a:fillRef idx="0">
+            <a:schemeClr val="accent1"/>
+          </a:fillRef>
+          <a:effectRef idx="0">
+            <a:schemeClr val="accent1"/>
+          </a:effectRef>
+          <a:fontRef idx="minor">
+            <a:schemeClr val="tx1"/>
+          </a:fontRef>
+        </p:style>
+      </p:cxnSp>
+      <p:cxnSp>
+        <p:nvCxnSpPr>
+          <p:cNvPr id="18" name="Straight Arrow Connector 17">
+            <a:extLst>
+              <a:ext uri="{FF2B5EF4-FFF2-40B4-BE49-F238E27FC236}">
+                <a16:creationId xmlns:a16="http://schemas.microsoft.com/office/drawing/2014/main" id="{92F0203A-AA79-45C7-94FC-54874F0A9096}"/>
+              </a:ext>
+            </a:extLst>
+          </p:cNvPr>
+          <p:cNvCxnSpPr>
+            <a:cxnSpLocks/>
+            <a:stCxn id="5" idx="5"/>
+            <a:endCxn id="9" idx="1"/>
+          </p:cNvCxnSpPr>
+          <p:nvPr/>
+        </p:nvCxnSpPr>
+        <p:spPr>
+          <a:xfrm>
+            <a:off x="5424607" y="3323090"/>
+            <a:ext cx="148598" cy="224371"/>
+          </a:xfrm>
+          <a:prstGeom prst="straightConnector1">
+            <a:avLst/>
+          </a:prstGeom>
+          <a:ln>
+            <a:tailEnd type="triangle"/>
+          </a:ln>
+        </p:spPr>
+        <p:style>
+          <a:lnRef idx="1">
+            <a:schemeClr val="accent1"/>
+          </a:lnRef>
+          <a:fillRef idx="0">
+            <a:schemeClr val="accent1"/>
+          </a:fillRef>
+          <a:effectRef idx="0">
+            <a:schemeClr val="accent1"/>
+          </a:effectRef>
+          <a:fontRef idx="minor">
+            <a:schemeClr val="tx1"/>
+          </a:fontRef>
+        </p:style>
+      </p:cxnSp>
+      <p:cxnSp>
+        <p:nvCxnSpPr>
+          <p:cNvPr id="23" name="Straight Arrow Connector 22">
+            <a:extLst>
+              <a:ext uri="{FF2B5EF4-FFF2-40B4-BE49-F238E27FC236}">
+                <a16:creationId xmlns:a16="http://schemas.microsoft.com/office/drawing/2014/main" id="{F1F94635-2747-4E39-9EF0-215C08875EC3}"/>
+              </a:ext>
+            </a:extLst>
+          </p:cNvPr>
+          <p:cNvCxnSpPr>
+            <a:stCxn id="9" idx="2"/>
+            <a:endCxn id="7" idx="6"/>
+          </p:cNvCxnSpPr>
+          <p:nvPr/>
+        </p:nvCxnSpPr>
+        <p:spPr>
+          <a:xfrm flipH="1">
+            <a:off x="4987071" y="3726835"/>
+            <a:ext cx="511835" cy="0"/>
+          </a:xfrm>
+          <a:prstGeom prst="straightConnector1">
+            <a:avLst/>
+          </a:prstGeom>
+          <a:ln>
+            <a:tailEnd type="triangle"/>
+          </a:ln>
+        </p:spPr>
+        <p:style>
+          <a:lnRef idx="1">
+            <a:schemeClr val="accent1"/>
+          </a:lnRef>
+          <a:fillRef idx="0">
+            <a:schemeClr val="accent1"/>
+          </a:fillRef>
+          <a:effectRef idx="0">
+            <a:schemeClr val="accent1"/>
+          </a:effectRef>
+          <a:fontRef idx="minor">
+            <a:schemeClr val="tx1"/>
+          </a:fontRef>
+        </p:style>
+      </p:cxnSp>
+      <p:cxnSp>
+        <p:nvCxnSpPr>
+          <p:cNvPr id="25" name="Straight Arrow Connector 24">
+            <a:extLst>
+              <a:ext uri="{FF2B5EF4-FFF2-40B4-BE49-F238E27FC236}">
+                <a16:creationId xmlns:a16="http://schemas.microsoft.com/office/drawing/2014/main" id="{224B45E2-27CD-4FE9-B05E-56F3FBE3297C}"/>
+              </a:ext>
+            </a:extLst>
+          </p:cNvPr>
+          <p:cNvCxnSpPr>
+            <a:cxnSpLocks/>
+            <a:stCxn id="7" idx="5"/>
+            <a:endCxn id="11" idx="1"/>
+          </p:cNvCxnSpPr>
+          <p:nvPr/>
+        </p:nvCxnSpPr>
+        <p:spPr>
+          <a:xfrm>
+            <a:off x="4912772" y="3906208"/>
+            <a:ext cx="150842" cy="224371"/>
+          </a:xfrm>
+          <a:prstGeom prst="straightConnector1">
+            <a:avLst/>
+          </a:prstGeom>
+          <a:ln>
+            <a:tailEnd type="triangle"/>
+          </a:ln>
+        </p:spPr>
+        <p:style>
+          <a:lnRef idx="1">
+            <a:schemeClr val="accent1"/>
+          </a:lnRef>
+          <a:fillRef idx="0">
+            <a:schemeClr val="accent1"/>
+          </a:fillRef>
+          <a:effectRef idx="0">
+            <a:schemeClr val="accent1"/>
+          </a:effectRef>
+          <a:fontRef idx="minor">
+            <a:schemeClr val="tx1"/>
+          </a:fontRef>
+        </p:style>
+      </p:cxnSp>
+      <p:sp>
+        <p:nvSpPr>
+          <p:cNvPr id="31" name="Oval 30">
+            <a:extLst>
+              <a:ext uri="{FF2B5EF4-FFF2-40B4-BE49-F238E27FC236}">
+                <a16:creationId xmlns:a16="http://schemas.microsoft.com/office/drawing/2014/main" id="{991F39BC-7C62-4DE4-B179-B358455436AB}"/>
+              </a:ext>
+            </a:extLst>
+          </p:cNvPr>
+          <p:cNvSpPr/>
+          <p:nvPr/>
+        </p:nvSpPr>
+        <p:spPr>
+          <a:xfrm>
+            <a:off x="6951132" y="2892372"/>
+            <a:ext cx="507345" cy="507345"/>
+          </a:xfrm>
+          <a:prstGeom prst="ellipse">
+            <a:avLst/>
+          </a:prstGeom>
+        </p:spPr>
+        <p:style>
+          <a:lnRef idx="2">
+            <a:schemeClr val="accent1">
+              <a:shade val="50000"/>
+            </a:schemeClr>
+          </a:lnRef>
+          <a:fillRef idx="1">
+            <a:schemeClr val="accent1"/>
+          </a:fillRef>
+          <a:effectRef idx="0">
+            <a:schemeClr val="accent1"/>
+          </a:effectRef>
+          <a:fontRef idx="minor">
+            <a:schemeClr val="lt1"/>
+          </a:fontRef>
+        </p:style>
+        <p:txBody>
+          <a:bodyPr rtlCol="0" anchor="ctr"/>
+          <a:lstStyle/>
+          <a:p>
+            <a:pPr algn="ctr"/>
+            <a:r>
+              <a:rPr lang="pl-PL" dirty="0"/>
+              <a:t>A</a:t>
+            </a:r>
+            <a:endParaRPr lang="en-US" dirty="0"/>
+          </a:p>
+        </p:txBody>
+      </p:sp>
+      <p:sp>
+        <p:nvSpPr>
+          <p:cNvPr id="33" name="Oval 32">
+            <a:extLst>
+              <a:ext uri="{FF2B5EF4-FFF2-40B4-BE49-F238E27FC236}">
+                <a16:creationId xmlns:a16="http://schemas.microsoft.com/office/drawing/2014/main" id="{667B4EAF-E1A0-48D6-8E4E-B96C9D53DD9F}"/>
+              </a:ext>
+            </a:extLst>
+          </p:cNvPr>
+          <p:cNvSpPr/>
+          <p:nvPr/>
+        </p:nvSpPr>
+        <p:spPr>
+          <a:xfrm>
+            <a:off x="6439297" y="3475490"/>
+            <a:ext cx="507345" cy="507345"/>
+          </a:xfrm>
+          <a:prstGeom prst="ellipse">
+            <a:avLst/>
+          </a:prstGeom>
+        </p:spPr>
+        <p:style>
+          <a:lnRef idx="2">
+            <a:schemeClr val="accent1">
+              <a:shade val="50000"/>
+            </a:schemeClr>
+          </a:lnRef>
+          <a:fillRef idx="1">
+            <a:schemeClr val="accent1"/>
+          </a:fillRef>
+          <a:effectRef idx="0">
+            <a:schemeClr val="accent1"/>
+          </a:effectRef>
+          <a:fontRef idx="minor">
+            <a:schemeClr val="lt1"/>
+          </a:fontRef>
+        </p:style>
+        <p:txBody>
+          <a:bodyPr rtlCol="0" anchor="ctr"/>
+          <a:lstStyle/>
+          <a:p>
+            <a:pPr algn="ctr"/>
+            <a:r>
+              <a:rPr lang="pl-PL" dirty="0"/>
+              <a:t>B</a:t>
+            </a:r>
+            <a:endParaRPr lang="en-US" dirty="0"/>
+          </a:p>
+        </p:txBody>
+      </p:sp>
+      <p:sp>
+        <p:nvSpPr>
+          <p:cNvPr id="35" name="Oval 34">
+            <a:extLst>
+              <a:ext uri="{FF2B5EF4-FFF2-40B4-BE49-F238E27FC236}">
+                <a16:creationId xmlns:a16="http://schemas.microsoft.com/office/drawing/2014/main" id="{361F1641-92B5-4644-AF07-90E4E7A483E8}"/>
+              </a:ext>
+            </a:extLst>
+          </p:cNvPr>
+          <p:cNvSpPr/>
+          <p:nvPr/>
+        </p:nvSpPr>
+        <p:spPr>
+          <a:xfrm>
+            <a:off x="7458477" y="3475490"/>
+            <a:ext cx="507345" cy="507345"/>
+          </a:xfrm>
+          <a:prstGeom prst="ellipse">
+            <a:avLst/>
+          </a:prstGeom>
+        </p:spPr>
+        <p:style>
+          <a:lnRef idx="2">
+            <a:schemeClr val="accent1">
+              <a:shade val="50000"/>
+            </a:schemeClr>
+          </a:lnRef>
+          <a:fillRef idx="1">
+            <a:schemeClr val="accent1"/>
+          </a:fillRef>
+          <a:effectRef idx="0">
+            <a:schemeClr val="accent1"/>
+          </a:effectRef>
+          <a:fontRef idx="minor">
+            <a:schemeClr val="lt1"/>
+          </a:fontRef>
+        </p:style>
+        <p:txBody>
+          <a:bodyPr rtlCol="0" anchor="ctr"/>
+          <a:lstStyle/>
+          <a:p>
+            <a:pPr algn="ctr"/>
+            <a:r>
+              <a:rPr lang="pl-PL" dirty="0"/>
+              <a:t>C</a:t>
+            </a:r>
+            <a:endParaRPr lang="en-US" dirty="0"/>
+          </a:p>
+        </p:txBody>
+      </p:sp>
+      <p:sp>
+        <p:nvSpPr>
+          <p:cNvPr id="37" name="Oval 36">
+            <a:extLst>
+              <a:ext uri="{FF2B5EF4-FFF2-40B4-BE49-F238E27FC236}">
+                <a16:creationId xmlns:a16="http://schemas.microsoft.com/office/drawing/2014/main" id="{6003D9A6-3663-4B90-8355-D9B84E130178}"/>
+              </a:ext>
+            </a:extLst>
+          </p:cNvPr>
+          <p:cNvSpPr/>
+          <p:nvPr/>
+        </p:nvSpPr>
+        <p:spPr>
+          <a:xfrm>
+            <a:off x="6948886" y="4058608"/>
+            <a:ext cx="507345" cy="507345"/>
+          </a:xfrm>
+          <a:prstGeom prst="ellipse">
+            <a:avLst/>
+          </a:prstGeom>
+        </p:spPr>
+        <p:style>
+          <a:lnRef idx="2">
+            <a:schemeClr val="accent1">
+              <a:shade val="50000"/>
+            </a:schemeClr>
+          </a:lnRef>
+          <a:fillRef idx="1">
+            <a:schemeClr val="accent1"/>
+          </a:fillRef>
+          <a:effectRef idx="0">
+            <a:schemeClr val="accent1"/>
+          </a:effectRef>
+          <a:fontRef idx="minor">
+            <a:schemeClr val="lt1"/>
+          </a:fontRef>
+        </p:style>
+        <p:txBody>
+          <a:bodyPr rtlCol="0" anchor="ctr"/>
+          <a:lstStyle/>
+          <a:p>
+            <a:pPr algn="ctr"/>
+            <a:r>
+              <a:rPr lang="pl-PL" dirty="0"/>
+              <a:t>D</a:t>
+            </a:r>
+            <a:endParaRPr lang="en-US" dirty="0"/>
+          </a:p>
+        </p:txBody>
+      </p:sp>
+      <p:cxnSp>
+        <p:nvCxnSpPr>
+          <p:cNvPr id="39" name="Straight Arrow Connector 38">
+            <a:extLst>
+              <a:ext uri="{FF2B5EF4-FFF2-40B4-BE49-F238E27FC236}">
+                <a16:creationId xmlns:a16="http://schemas.microsoft.com/office/drawing/2014/main" id="{84A03A83-6F57-4F88-94AB-4A8BDB0BDA7E}"/>
+              </a:ext>
+            </a:extLst>
+          </p:cNvPr>
+          <p:cNvCxnSpPr>
+            <a:cxnSpLocks/>
+            <a:stCxn id="33" idx="7"/>
+            <a:endCxn id="31" idx="3"/>
+          </p:cNvCxnSpPr>
+          <p:nvPr/>
+        </p:nvCxnSpPr>
+        <p:spPr>
+          <a:xfrm flipV="1">
+            <a:off x="6872343" y="3325418"/>
+            <a:ext cx="153088" cy="224371"/>
+          </a:xfrm>
+          <a:prstGeom prst="straightConnector1">
+            <a:avLst/>
+          </a:prstGeom>
+          <a:ln>
+            <a:tailEnd type="triangle"/>
+          </a:ln>
+        </p:spPr>
+        <p:style>
+          <a:lnRef idx="1">
+            <a:schemeClr val="accent1"/>
+          </a:lnRef>
+          <a:fillRef idx="0">
+            <a:schemeClr val="accent1"/>
+          </a:fillRef>
+          <a:effectRef idx="0">
+            <a:schemeClr val="accent1"/>
+          </a:effectRef>
+          <a:fontRef idx="minor">
+            <a:schemeClr val="tx1"/>
+          </a:fontRef>
+        </p:style>
+      </p:cxnSp>
+      <p:cxnSp>
+        <p:nvCxnSpPr>
+          <p:cNvPr id="41" name="Straight Arrow Connector 40">
+            <a:extLst>
+              <a:ext uri="{FF2B5EF4-FFF2-40B4-BE49-F238E27FC236}">
+                <a16:creationId xmlns:a16="http://schemas.microsoft.com/office/drawing/2014/main" id="{0DDE8F7A-1E03-4B0F-8095-68290317AB2B}"/>
+              </a:ext>
+            </a:extLst>
+          </p:cNvPr>
+          <p:cNvCxnSpPr>
+            <a:cxnSpLocks/>
+            <a:stCxn id="31" idx="5"/>
+            <a:endCxn id="35" idx="1"/>
+          </p:cNvCxnSpPr>
+          <p:nvPr/>
+        </p:nvCxnSpPr>
+        <p:spPr>
+          <a:xfrm>
+            <a:off x="7384178" y="3325418"/>
+            <a:ext cx="148598" cy="224371"/>
+          </a:xfrm>
+          <a:prstGeom prst="straightConnector1">
+            <a:avLst/>
+          </a:prstGeom>
+          <a:ln>
+            <a:tailEnd type="triangle"/>
+          </a:ln>
+        </p:spPr>
+        <p:style>
+          <a:lnRef idx="1">
+            <a:schemeClr val="accent1"/>
+          </a:lnRef>
+          <a:fillRef idx="0">
+            <a:schemeClr val="accent1"/>
+          </a:fillRef>
+          <a:effectRef idx="0">
+            <a:schemeClr val="accent1"/>
+          </a:effectRef>
+          <a:fontRef idx="minor">
+            <a:schemeClr val="tx1"/>
+          </a:fontRef>
+        </p:style>
+      </p:cxnSp>
+      <p:cxnSp>
+        <p:nvCxnSpPr>
+          <p:cNvPr id="43" name="Straight Arrow Connector 42">
+            <a:extLst>
+              <a:ext uri="{FF2B5EF4-FFF2-40B4-BE49-F238E27FC236}">
+                <a16:creationId xmlns:a16="http://schemas.microsoft.com/office/drawing/2014/main" id="{F3AED772-9C55-4A11-84A7-DD635D0BF6D4}"/>
+              </a:ext>
+            </a:extLst>
+          </p:cNvPr>
+          <p:cNvCxnSpPr>
+            <a:cxnSpLocks/>
+            <a:stCxn id="35" idx="2"/>
+            <a:endCxn id="33" idx="6"/>
+          </p:cNvCxnSpPr>
+          <p:nvPr/>
+        </p:nvCxnSpPr>
+        <p:spPr>
+          <a:xfrm flipH="1">
+            <a:off x="6946642" y="3729163"/>
+            <a:ext cx="511835" cy="0"/>
+          </a:xfrm>
+          <a:prstGeom prst="straightConnector1">
+            <a:avLst/>
+          </a:prstGeom>
+          <a:ln>
+            <a:tailEnd type="triangle"/>
+          </a:ln>
+        </p:spPr>
+        <p:style>
+          <a:lnRef idx="1">
+            <a:schemeClr val="accent1"/>
+          </a:lnRef>
+          <a:fillRef idx="0">
+            <a:schemeClr val="accent1"/>
+          </a:fillRef>
+          <a:effectRef idx="0">
+            <a:schemeClr val="accent1"/>
+          </a:effectRef>
+          <a:fontRef idx="minor">
+            <a:schemeClr val="tx1"/>
+          </a:fontRef>
+        </p:style>
+      </p:cxnSp>
+      <p:cxnSp>
+        <p:nvCxnSpPr>
+          <p:cNvPr id="45" name="Straight Arrow Connector 44">
+            <a:extLst>
+              <a:ext uri="{FF2B5EF4-FFF2-40B4-BE49-F238E27FC236}">
+                <a16:creationId xmlns:a16="http://schemas.microsoft.com/office/drawing/2014/main" id="{4B9F881B-12D3-4E38-A4BE-ECADBCF23354}"/>
+              </a:ext>
+            </a:extLst>
+          </p:cNvPr>
+          <p:cNvCxnSpPr>
+            <a:cxnSpLocks/>
+            <a:stCxn id="33" idx="5"/>
+            <a:endCxn id="37" idx="1"/>
+          </p:cNvCxnSpPr>
+          <p:nvPr/>
+        </p:nvCxnSpPr>
+        <p:spPr>
+          <a:xfrm>
+            <a:off x="6872343" y="3908536"/>
+            <a:ext cx="150842" cy="224371"/>
+          </a:xfrm>
+          <a:prstGeom prst="straightConnector1">
+            <a:avLst/>
+          </a:prstGeom>
+          <a:ln>
+            <a:tailEnd type="triangle"/>
+          </a:ln>
+        </p:spPr>
+        <p:style>
+          <a:lnRef idx="1">
+            <a:schemeClr val="accent1"/>
+          </a:lnRef>
+          <a:fillRef idx="0">
+            <a:schemeClr val="accent1"/>
+          </a:fillRef>
+          <a:effectRef idx="0">
+            <a:schemeClr val="accent1"/>
+          </a:effectRef>
+          <a:fontRef idx="minor">
+            <a:schemeClr val="tx1"/>
+          </a:fontRef>
+        </p:style>
+      </p:cxnSp>
+      <p:sp>
+        <p:nvSpPr>
+          <p:cNvPr id="49" name="TextBox 48">
+            <a:extLst>
+              <a:ext uri="{FF2B5EF4-FFF2-40B4-BE49-F238E27FC236}">
+                <a16:creationId xmlns:a16="http://schemas.microsoft.com/office/drawing/2014/main" id="{AED85829-28EC-4AA7-A05A-9D9A6D03DE43}"/>
+              </a:ext>
+            </a:extLst>
+          </p:cNvPr>
+          <p:cNvSpPr txBox="1"/>
+          <p:nvPr/>
+        </p:nvSpPr>
+        <p:spPr>
+          <a:xfrm>
+            <a:off x="5451859" y="1863557"/>
+            <a:ext cx="1716713" cy="369332"/>
+          </a:xfrm>
+          <a:prstGeom prst="rect">
+            <a:avLst/>
+          </a:prstGeom>
+          <a:noFill/>
+        </p:spPr>
+        <p:txBody>
+          <a:bodyPr wrap="square" rtlCol="0">
+            <a:spAutoFit/>
+          </a:bodyPr>
+          <a:lstStyle/>
+          <a:p>
+            <a:pPr algn="ctr"/>
+            <a:r>
+              <a:rPr lang="pl-PL" dirty="0"/>
+              <a:t>Directed Graphs</a:t>
+            </a:r>
+          </a:p>
+        </p:txBody>
+      </p:sp>
+      <p:sp>
+        <p:nvSpPr>
+          <p:cNvPr id="51" name="TextBox 50">
+            <a:extLst>
+              <a:ext uri="{FF2B5EF4-FFF2-40B4-BE49-F238E27FC236}">
+                <a16:creationId xmlns:a16="http://schemas.microsoft.com/office/drawing/2014/main" id="{9CD6A581-3B15-4D8F-9B3D-AF994288F178}"/>
+              </a:ext>
+            </a:extLst>
+          </p:cNvPr>
+          <p:cNvSpPr txBox="1"/>
+          <p:nvPr/>
+        </p:nvSpPr>
+        <p:spPr>
+          <a:xfrm>
+            <a:off x="4384630" y="2333622"/>
+            <a:ext cx="1716713" cy="369332"/>
+          </a:xfrm>
+          <a:prstGeom prst="rect">
+            <a:avLst/>
+          </a:prstGeom>
+          <a:noFill/>
+        </p:spPr>
+        <p:txBody>
+          <a:bodyPr wrap="square" rtlCol="0">
+            <a:spAutoFit/>
+          </a:bodyPr>
+          <a:lstStyle/>
+          <a:p>
+            <a:pPr algn="ctr"/>
+            <a:r>
+              <a:rPr lang="pl-PL" dirty="0"/>
+              <a:t>Acyclic</a:t>
+            </a:r>
+          </a:p>
+        </p:txBody>
+      </p:sp>
+      <p:sp>
+        <p:nvSpPr>
+          <p:cNvPr id="53" name="TextBox 52">
+            <a:extLst>
+              <a:ext uri="{FF2B5EF4-FFF2-40B4-BE49-F238E27FC236}">
+                <a16:creationId xmlns:a16="http://schemas.microsoft.com/office/drawing/2014/main" id="{9DE4CD14-30B8-4D24-81F2-6E305A0175EC}"/>
+              </a:ext>
+            </a:extLst>
+          </p:cNvPr>
+          <p:cNvSpPr txBox="1"/>
+          <p:nvPr/>
+        </p:nvSpPr>
+        <p:spPr>
+          <a:xfrm>
+            <a:off x="6344201" y="2333622"/>
+            <a:ext cx="1716713" cy="369332"/>
+          </a:xfrm>
+          <a:prstGeom prst="rect">
+            <a:avLst/>
+          </a:prstGeom>
+          <a:noFill/>
+        </p:spPr>
+        <p:txBody>
+          <a:bodyPr wrap="square" rtlCol="0">
+            <a:spAutoFit/>
+          </a:bodyPr>
+          <a:lstStyle/>
+          <a:p>
+            <a:pPr algn="ctr"/>
+            <a:r>
+              <a:rPr lang="pl-PL" dirty="0"/>
+              <a:t>Cyclic</a:t>
+            </a:r>
+          </a:p>
+        </p:txBody>
+      </p:sp>
+    </p:spTree>
+    <p:extLst>
+      <p:ext uri="{BB962C8B-B14F-4D97-AF65-F5344CB8AC3E}">
+        <p14:creationId xmlns:p14="http://schemas.microsoft.com/office/powerpoint/2010/main" val="397417830"/>
+      </p:ext>
+    </p:extLst>
+  </p:cSld>
+  <p:clrMapOvr>
+    <a:masterClrMapping/>
+  </p:clrMapOvr>
+</p:sld>
+</file>
+
 <file path=ppt/theme/theme1.xml><?xml version="1.0" encoding="utf-8"?>
 <a:theme xmlns:a="http://schemas.openxmlformats.org/drawingml/2006/main" name="Office Theme">
   <a:themeElements>
